--- a/05-OCT-2022/05-OCT-2022.pptx
+++ b/05-OCT-2022/05-OCT-2022.pptx
@@ -3589,7 +3589,7 @@
           <p:cNvPr id="7" name="Image 8">
             <a:extLst>
               <a:ext uri="{FF2B5EF4-FFF2-40B4-BE49-F238E27FC236}">
-                <a16:creationId xmlns="" xmlns:a16="http://schemas.microsoft.com/office/drawing/2014/main" id="{E343EAEB-1C70-8343-B03F-68A19ED50E0C}"/>
+                <a16:creationId xmlns:a16="http://schemas.microsoft.com/office/drawing/2014/main" xmlns="" id="{E343EAEB-1C70-8343-B03F-68A19ED50E0C}"/>
               </a:ext>
             </a:extLst>
           </p:cNvPr>
@@ -3752,7 +3752,7 @@
         <p:spPr>
           <a:xfrm>
             <a:off x="420130" y="1009134"/>
-            <a:ext cx="8509686" cy="4708981"/>
+            <a:ext cx="8509686" cy="5324535"/>
           </a:xfrm>
           <a:prstGeom prst="rect">
             <a:avLst/>
@@ -3815,23 +3815,70 @@
                 </a:solidFill>
                 <a:latin typeface="Palatino Linotype" panose="02040502050505030304" pitchFamily="18" charset="0"/>
               </a:rPr>
-              <a:t>05-</a:t>
-            </a:r>
+              <a:t>05-OCT-2022</a:t>
+            </a:r>
+          </a:p>
+          <a:p>
+            <a:pPr marL="342900" indent="-342900">
+              <a:buClr>
+                <a:schemeClr val="accent1">
+                  <a:lumMod val="60000"/>
+                  <a:lumOff val="40000"/>
+                </a:schemeClr>
+              </a:buClr>
+              <a:buFont typeface="Wingdings" panose="05000000000000000000" pitchFamily="2" charset="2"/>
+              <a:buChar char="n"/>
+            </a:pPr>
+            <a:endParaRPr lang="en-CA" sz="2000" b="1" dirty="0">
+              <a:solidFill>
+                <a:schemeClr val="bg1">
+                  <a:lumMod val="50000"/>
+                </a:schemeClr>
+              </a:solidFill>
+              <a:latin typeface="Palatino Linotype" panose="02040502050505030304" pitchFamily="18" charset="0"/>
+            </a:endParaRPr>
+          </a:p>
+          <a:p>
+            <a:pPr marL="342900" indent="-342900">
+              <a:buClr>
+                <a:schemeClr val="accent1">
+                  <a:lumMod val="60000"/>
+                  <a:lumOff val="40000"/>
+                </a:schemeClr>
+              </a:buClr>
+              <a:buFont typeface="Wingdings" panose="05000000000000000000" pitchFamily="2" charset="2"/>
+              <a:buChar char="n"/>
+            </a:pPr>
             <a:r>
               <a:rPr lang="en-CA" sz="2000" b="1" dirty="0" smtClean="0">
                 <a:solidFill>
+                  <a:srgbClr val="002060"/>
+                </a:solidFill>
+                <a:latin typeface="Palatino Linotype" panose="02040502050505030304" pitchFamily="18" charset="0"/>
+              </a:rPr>
+              <a:t>*GUEST TEACHER* Danielle Quinn </a:t>
+            </a:r>
+            <a:r>
+              <a:rPr lang="en-CA" sz="2000" b="1" dirty="0" smtClean="0">
+                <a:latin typeface="Palatino Linotype" panose="02040502050505030304" pitchFamily="18" charset="0"/>
+              </a:rPr>
+              <a:t>		       </a:t>
+            </a:r>
+            <a:r>
+              <a:rPr lang="en-CA" sz="2000" dirty="0" smtClean="0">
+                <a:solidFill>
                   <a:schemeClr val="bg1">
-                    <a:lumMod val="50000"/>
+                    <a:lumMod val="65000"/>
                   </a:schemeClr>
                 </a:solidFill>
                 <a:latin typeface="Palatino Linotype" panose="02040502050505030304" pitchFamily="18" charset="0"/>
               </a:rPr>
-              <a:t>OCT-2022</a:t>
-            </a:r>
-            <a:endParaRPr lang="en-CA" sz="2000" b="1" dirty="0">
+              <a:t>19-OCT-2022</a:t>
+            </a:r>
+            <a:endParaRPr lang="en-CA" sz="2000" dirty="0">
               <a:solidFill>
                 <a:schemeClr val="bg1">
-                  <a:lumMod val="50000"/>
+                  <a:lumMod val="65000"/>
                 </a:schemeClr>
               </a:solidFill>
               <a:latin typeface="Palatino Linotype" panose="02040502050505030304" pitchFamily="18" charset="0"/>
@@ -3882,8 +3929,16 @@
                 </a:solidFill>
                 <a:latin typeface="Palatino Linotype" panose="02040502050505030304" pitchFamily="18" charset="0"/>
               </a:rPr>
-              <a:t>19-OCT-2022</a:t>
-            </a:r>
+              <a:t>2-NOV-2022</a:t>
+            </a:r>
+            <a:endParaRPr lang="en-CA" sz="2000" dirty="0" smtClean="0">
+              <a:solidFill>
+                <a:schemeClr val="bg1">
+                  <a:lumMod val="65000"/>
+                </a:schemeClr>
+              </a:solidFill>
+              <a:latin typeface="Palatino Linotype" panose="02040502050505030304" pitchFamily="18" charset="0"/>
+            </a:endParaRPr>
           </a:p>
           <a:p>
             <a:pPr>
@@ -3913,10 +3968,10 @@
               <a:rPr lang="en-CA" sz="2000" dirty="0">
                 <a:latin typeface="Palatino Linotype" panose="02040502050505030304" pitchFamily="18" charset="0"/>
               </a:rPr>
-              <a:t>Advanced Graphing and Statistics                                           </a:t>
-            </a:r>
-            <a:r>
-              <a:rPr lang="en-CA" sz="2000" dirty="0">
+              <a:t>Advanced Graphing and Statistics                                         </a:t>
+            </a:r>
+            <a:r>
+              <a:rPr lang="en-CA" sz="2000" dirty="0" smtClean="0">
                 <a:solidFill>
                   <a:schemeClr val="bg1">
                     <a:lumMod val="65000"/>
@@ -3924,8 +3979,16 @@
                 </a:solidFill>
                 <a:latin typeface="Palatino Linotype" panose="02040502050505030304" pitchFamily="18" charset="0"/>
               </a:rPr>
-              <a:t>2-NOV-2022</a:t>
-            </a:r>
+              <a:t>16-NOV-2022</a:t>
+            </a:r>
+            <a:endParaRPr lang="en-CA" sz="2000" dirty="0">
+              <a:solidFill>
+                <a:schemeClr val="bg1">
+                  <a:lumMod val="65000"/>
+                </a:schemeClr>
+              </a:solidFill>
+              <a:latin typeface="Palatino Linotype" panose="02040502050505030304" pitchFamily="18" charset="0"/>
+            </a:endParaRPr>
           </a:p>
           <a:p>
             <a:pPr>
@@ -3960,9 +4023,6 @@
               </a:rPr>
               <a:t>trees</a:t>
             </a:r>
-            <a:endParaRPr lang="en-CA" sz="2000" dirty="0" smtClean="0">
-              <a:latin typeface="Palatino Linotype" panose="02040502050505030304" pitchFamily="18" charset="0"/>
-            </a:endParaRPr>
           </a:p>
           <a:p>
             <a:pPr marL="342900" indent="-342900">
@@ -4017,7 +4077,7 @@
                 </a:solidFill>
                 <a:latin typeface="Palatino Linotype" panose="02040502050505030304" pitchFamily="18" charset="0"/>
               </a:rPr>
-              <a:t>16-NOV-2022</a:t>
+              <a:t>30-NOV-2022</a:t>
             </a:r>
             <a:endParaRPr lang="en-CA" sz="2000" dirty="0">
               <a:solidFill>
@@ -4343,16 +4403,7 @@
                 </a:solidFill>
                 <a:latin typeface="Palatino Linotype" panose="02040502050505030304" pitchFamily="18" charset="0"/>
               </a:rPr>
-              <a:t> to Nov </a:t>
-            </a:r>
-            <a:r>
-              <a:rPr lang="en-CA" sz="1050" b="1" dirty="0" smtClean="0">
-                <a:solidFill>
-                  <a:srgbClr val="0070C0"/>
-                </a:solidFill>
-                <a:latin typeface="Palatino Linotype" panose="02040502050505030304" pitchFamily="18" charset="0"/>
-              </a:rPr>
-              <a:t>7</a:t>
+              <a:t> to Nov 7</a:t>
             </a:r>
             <a:r>
               <a:rPr lang="en-CA" sz="1050" b="1" baseline="30000" dirty="0" smtClean="0">
